--- a/REKAPITULASI/PPT-VOS-MAP-TEXT.pptx
+++ b/REKAPITULASI/PPT-VOS-MAP-TEXT.pptx
@@ -1655,7 +1655,7 @@
         <p:spPr>
           <a:xfrm>
             <a:off x="548640" y="226080"/>
-            <a:ext cx="9025920" cy="2607840"/>
+            <a:ext cx="9025560" cy="2607480"/>
           </a:xfrm>
           <a:prstGeom prst="rect">
             <a:avLst/>
@@ -1706,7 +1706,7 @@
         <p:spPr>
           <a:xfrm>
             <a:off x="548640" y="2834640"/>
-            <a:ext cx="9071280" cy="2468160"/>
+            <a:ext cx="9070920" cy="2467800"/>
           </a:xfrm>
           <a:prstGeom prst="rect">
             <a:avLst/>
@@ -1727,7 +1727,7 @@
             <a:normAutofit/>
           </a:bodyPr>
           <a:p>
-            <a:pPr marL="432000" indent="-323280">
+            <a:pPr marL="432000" indent="-322920">
               <a:lnSpc>
                 <a:spcPct val="100000"/>
               </a:lnSpc>
@@ -1749,14 +1749,25 @@
                 <a:latin typeface="Arial"/>
                 <a:ea typeface="DejaVu Sans"/>
               </a:rPr>
-              <a:t>Berdasarkan Scopus, search affiliation, limit to 2019</a:t>
+              <a:t>Berdasarkan Scopus, search affiliation, limit to 2019, visualisasi menggunakan </a:t>
+            </a:r>
+            <a:r>
+              <a:rPr b="0" lang="en-ID" sz="1600" spc="-1" strike="noStrike">
+                <a:solidFill>
+                  <a:srgbClr val="000000"/>
+                </a:solidFill>
+                <a:latin typeface="Arial"/>
+                <a:ea typeface="DejaVu Sans"/>
+                <a:hlinkClick r:id="rId1"/>
+              </a:rPr>
+              <a:t>Vosviewer</a:t>
             </a:r>
             <a:endParaRPr b="0" lang="en-ID" sz="1600" spc="-1" strike="noStrike">
               <a:latin typeface="Arial"/>
             </a:endParaRPr>
           </a:p>
           <a:p>
-            <a:pPr marL="432000" indent="-323280">
+            <a:pPr marL="432000" indent="-322920">
               <a:lnSpc>
                 <a:spcPct val="100000"/>
               </a:lnSpc>
@@ -1785,7 +1796,7 @@
             </a:endParaRPr>
           </a:p>
           <a:p>
-            <a:pPr marL="432000" indent="-323280">
+            <a:pPr marL="432000" indent="-322920">
               <a:lnSpc>
                 <a:spcPct val="100000"/>
               </a:lnSpc>
@@ -1807,7 +1818,7 @@
                 <a:latin typeface="Arial"/>
                 <a:ea typeface="DejaVu Sans"/>
               </a:rPr>
-              <a:t>Dasapta Erwin Irawan</a:t>
+              <a:t>Dasapta Erwin Irawan (Institut Teknologi Bandung, RINarxiv)</a:t>
             </a:r>
             <a:endParaRPr b="0" lang="en-ID" sz="1600" spc="-1" strike="noStrike">
               <a:latin typeface="Arial"/>
@@ -1854,7 +1865,7 @@
         <p:spPr>
           <a:xfrm>
             <a:off x="504000" y="226080"/>
-            <a:ext cx="9070560" cy="945360"/>
+            <a:ext cx="9070200" cy="945000"/>
           </a:xfrm>
           <a:prstGeom prst="rect">
             <a:avLst/>
@@ -1905,7 +1916,7 @@
         <p:spPr>
           <a:xfrm>
             <a:off x="504000" y="1326600"/>
-            <a:ext cx="9071280" cy="3287880"/>
+            <a:ext cx="9070920" cy="3287520"/>
           </a:xfrm>
           <a:prstGeom prst="rect">
             <a:avLst/>
@@ -1926,7 +1937,7 @@
             <a:normAutofit/>
           </a:bodyPr>
           <a:p>
-            <a:pPr marL="432000" indent="-323280">
+            <a:pPr marL="432000" indent="-322920">
               <a:lnSpc>
                 <a:spcPct val="100000"/>
               </a:lnSpc>
@@ -1955,7 +1966,7 @@
             </a:endParaRPr>
           </a:p>
           <a:p>
-            <a:pPr marL="432000" indent="-323280">
+            <a:pPr marL="432000" indent="-322920">
               <a:lnSpc>
                 <a:spcPct val="100000"/>
               </a:lnSpc>
@@ -2024,7 +2035,7 @@
         <p:spPr>
           <a:xfrm>
             <a:off x="504000" y="226080"/>
-            <a:ext cx="9070560" cy="945360"/>
+            <a:ext cx="9070200" cy="945000"/>
           </a:xfrm>
           <a:prstGeom prst="rect">
             <a:avLst/>
@@ -2079,7 +2090,7 @@
         <p:spPr>
           <a:xfrm>
             <a:off x="2531880" y="1554480"/>
-            <a:ext cx="5513760" cy="3482280"/>
+            <a:ext cx="5513400" cy="3481920"/>
           </a:xfrm>
           <a:prstGeom prst="rect">
             <a:avLst/>
@@ -2128,7 +2139,7 @@
         <p:spPr>
           <a:xfrm>
             <a:off x="504000" y="226080"/>
-            <a:ext cx="9070560" cy="945360"/>
+            <a:ext cx="9070200" cy="945000"/>
           </a:xfrm>
           <a:prstGeom prst="rect">
             <a:avLst/>
@@ -2183,7 +2194,7 @@
         <p:spPr>
           <a:xfrm>
             <a:off x="1547640" y="1028520"/>
-            <a:ext cx="7034400" cy="3656160"/>
+            <a:ext cx="7034040" cy="3655800"/>
           </a:xfrm>
           <a:prstGeom prst="rect">
             <a:avLst/>
@@ -2232,7 +2243,7 @@
         <p:spPr>
           <a:xfrm>
             <a:off x="504000" y="226080"/>
-            <a:ext cx="9070560" cy="945360"/>
+            <a:ext cx="9070200" cy="945000"/>
           </a:xfrm>
           <a:prstGeom prst="rect">
             <a:avLst/>
@@ -2287,7 +2298,7 @@
         <p:spPr>
           <a:xfrm>
             <a:off x="6035040" y="21960"/>
-            <a:ext cx="3361680" cy="5669640"/>
+            <a:ext cx="3361320" cy="5669280"/>
           </a:xfrm>
           <a:prstGeom prst="rect">
             <a:avLst/>
@@ -2336,7 +2347,7 @@
         <p:spPr>
           <a:xfrm>
             <a:off x="504000" y="226080"/>
-            <a:ext cx="9070560" cy="945360"/>
+            <a:ext cx="9070200" cy="945000"/>
           </a:xfrm>
           <a:prstGeom prst="rect">
             <a:avLst/>
@@ -2391,7 +2402,7 @@
         <p:spPr>
           <a:xfrm>
             <a:off x="3892680" y="219600"/>
-            <a:ext cx="5159160" cy="5266080"/>
+            <a:ext cx="5158800" cy="5265720"/>
           </a:xfrm>
           <a:prstGeom prst="rect">
             <a:avLst/>
@@ -2440,7 +2451,7 @@
         <p:spPr>
           <a:xfrm>
             <a:off x="504000" y="226080"/>
-            <a:ext cx="9070560" cy="945360"/>
+            <a:ext cx="9070200" cy="945000"/>
           </a:xfrm>
           <a:prstGeom prst="rect">
             <a:avLst/>
@@ -2495,7 +2506,7 @@
         <p:spPr>
           <a:xfrm>
             <a:off x="3984480" y="151920"/>
-            <a:ext cx="4817520" cy="5216040"/>
+            <a:ext cx="4817160" cy="5215680"/>
           </a:xfrm>
           <a:prstGeom prst="rect">
             <a:avLst/>
@@ -2548,7 +2559,7 @@
         <p:spPr>
           <a:xfrm>
             <a:off x="3909240" y="484200"/>
-            <a:ext cx="5211360" cy="5015880"/>
+            <a:ext cx="5211000" cy="5015520"/>
           </a:xfrm>
           <a:prstGeom prst="rect">
             <a:avLst/>
@@ -2567,7 +2578,7 @@
         <p:spPr>
           <a:xfrm>
             <a:off x="504000" y="226080"/>
-            <a:ext cx="9070560" cy="945360"/>
+            <a:ext cx="9070200" cy="945000"/>
           </a:xfrm>
           <a:prstGeom prst="rect">
             <a:avLst/>
@@ -2648,7 +2659,7 @@
         <p:spPr>
           <a:xfrm>
             <a:off x="504000" y="226080"/>
-            <a:ext cx="9070560" cy="945360"/>
+            <a:ext cx="9070200" cy="945000"/>
           </a:xfrm>
           <a:prstGeom prst="rect">
             <a:avLst/>
@@ -2703,7 +2714,7 @@
         <p:spPr>
           <a:xfrm>
             <a:off x="457200" y="1371600"/>
-            <a:ext cx="9225000" cy="3224520"/>
+            <a:ext cx="9224640" cy="3224160"/>
           </a:xfrm>
           <a:prstGeom prst="rect">
             <a:avLst/>
